--- a/Praesentation1812.pptx
+++ b/Praesentation1812.pptx
@@ -5,14 +5,15 @@
     <p:sldMasterId id="2147483648" r:id="rId1"/>
   </p:sldMasterIdLst>
   <p:notesMasterIdLst>
-    <p:notesMasterId r:id="rId7"/>
+    <p:notesMasterId r:id="rId8"/>
   </p:notesMasterIdLst>
   <p:sldIdLst>
     <p:sldId id="256" r:id="rId2"/>
     <p:sldId id="263" r:id="rId3"/>
-    <p:sldId id="265" r:id="rId4"/>
-    <p:sldId id="267" r:id="rId5"/>
-    <p:sldId id="268" r:id="rId6"/>
+    <p:sldId id="269" r:id="rId4"/>
+    <p:sldId id="265" r:id="rId5"/>
+    <p:sldId id="267" r:id="rId6"/>
+    <p:sldId id="268" r:id="rId7"/>
   </p:sldIdLst>
   <p:sldSz cx="12192000" cy="6858000"/>
   <p:notesSz cx="6858000" cy="9144000"/>
@@ -4370,40 +4371,6 @@
           </a:p>
         </p:txBody>
       </p:sp>
-      <p:sp>
-        <p:nvSpPr>
-          <p:cNvPr id="22" name="Foliennummernplatzhalter 21">
-            <a:extLst>
-              <a:ext uri="{FF2B5EF4-FFF2-40B4-BE49-F238E27FC236}">
-                <a16:creationId xmlns:a16="http://schemas.microsoft.com/office/drawing/2014/main" id="{FB03CDFF-1950-FF63-280D-D7EF1BEED205}"/>
-              </a:ext>
-            </a:extLst>
-          </p:cNvPr>
-          <p:cNvSpPr>
-            <a:spLocks noGrp="1"/>
-          </p:cNvSpPr>
-          <p:nvPr>
-            <p:ph type="sldNum" sz="quarter" idx="12"/>
-          </p:nvPr>
-        </p:nvSpPr>
-        <p:spPr>
-          <a:xfrm>
-            <a:off x="8610600" y="6594368"/>
-            <a:ext cx="2743200" cy="154253"/>
-          </a:xfrm>
-        </p:spPr>
-        <p:txBody>
-          <a:bodyPr/>
-          <a:lstStyle/>
-          <a:p>
-            <a:fld id="{8FD935AB-3778-4C3A-9B0B-CB9A2B15CB86}" type="slidenum">
-              <a:rPr lang="de-AT" sz="2000" smtClean="0"/>
-              <a:t>1</a:t>
-            </a:fld>
-            <a:endParaRPr lang="de-AT" sz="2000" dirty="0"/>
-          </a:p>
-        </p:txBody>
-      </p:sp>
     </p:spTree>
     <p:extLst>
       <p:ext uri="{BB962C8B-B14F-4D97-AF65-F5344CB8AC3E}">
@@ -4964,11 +4931,10 @@
           <a:bodyPr/>
           <a:lstStyle/>
           <a:p>
-            <a:fld id="{8FD935AB-3778-4C3A-9B0B-CB9A2B15CB86}" type="slidenum">
-              <a:rPr lang="de-AT" sz="2000" smtClean="0"/>
-              <a:t>2</a:t>
-            </a:fld>
-            <a:endParaRPr lang="de-AT" sz="2000" dirty="0"/>
+            <a:r>
+              <a:rPr lang="de-AT" sz="2000" dirty="0"/>
+              <a:t>1/5</a:t>
+            </a:r>
           </a:p>
         </p:txBody>
       </p:sp>
@@ -5638,137 +5604,455 @@
           <a:bodyPr/>
           <a:lstStyle/>
           <a:p>
-            <a:fld id="{8FD935AB-3778-4C3A-9B0B-CB9A2B15CB86}" type="slidenum">
-              <a:rPr lang="de-AT" sz="2000" smtClean="0"/>
-              <a:t>3</a:t>
-            </a:fld>
-            <a:endParaRPr lang="de-AT" sz="2000" dirty="0"/>
-          </a:p>
-        </p:txBody>
-      </p:sp>
-      <p:sp>
-        <p:nvSpPr>
-          <p:cNvPr id="4" name="Textfeld 3">
-            <a:extLst>
-              <a:ext uri="{FF2B5EF4-FFF2-40B4-BE49-F238E27FC236}">
-                <a16:creationId xmlns:a16="http://schemas.microsoft.com/office/drawing/2014/main" id="{2EEAF618-E59C-7567-A81C-99CAF75A7B16}"/>
-              </a:ext>
-            </a:extLst>
-          </p:cNvPr>
-          <p:cNvSpPr txBox="1"/>
-          <p:nvPr/>
-        </p:nvSpPr>
-        <p:spPr>
-          <a:xfrm>
-            <a:off x="896812" y="2497718"/>
-            <a:ext cx="10398369" cy="3495188"/>
-          </a:xfrm>
-          <a:prstGeom prst="rect">
-            <a:avLst/>
-          </a:prstGeom>
-          <a:noFill/>
-        </p:spPr>
-        <p:txBody>
-          <a:bodyPr wrap="square" rtlCol="0">
-            <a:spAutoFit/>
-          </a:bodyPr>
-          <a:lstStyle/>
-          <a:p>
-            <a:pPr marL="285750" indent="-285750">
-              <a:lnSpc>
-                <a:spcPct val="150000"/>
-              </a:lnSpc>
-              <a:buFont typeface="Symbol" panose="05050102010706020507" pitchFamily="18" charset="2"/>
-              <a:buChar char="-"/>
-            </a:pPr>
-            <a:r>
-              <a:rPr lang="de-DE" sz="2500" dirty="0"/>
-              <a:t>Planung fertiggestellt</a:t>
-            </a:r>
-          </a:p>
-          <a:p>
-            <a:pPr marL="285750" indent="-285750">
-              <a:lnSpc>
-                <a:spcPct val="150000"/>
-              </a:lnSpc>
-              <a:buFont typeface="Symbol" panose="05050102010706020507" pitchFamily="18" charset="2"/>
-              <a:buChar char="-"/>
-            </a:pPr>
-            <a:r>
-              <a:rPr lang="de-DE" sz="2500" dirty="0"/>
-              <a:t>Vorarbeit fast fertig </a:t>
-            </a:r>
-            <a:r>
-              <a:rPr lang="de-DE" sz="2500" dirty="0">
-                <a:sym typeface="Wingdings" panose="05000000000000000000" pitchFamily="2" charset="2"/>
-              </a:rPr>
-              <a:t> eine Verzögerung</a:t>
-            </a:r>
-          </a:p>
-          <a:p>
-            <a:pPr marL="285750" indent="-285750">
-              <a:lnSpc>
-                <a:spcPct val="150000"/>
-              </a:lnSpc>
-              <a:buFont typeface="Symbol" panose="05050102010706020507" pitchFamily="18" charset="2"/>
-              <a:buChar char="-"/>
-            </a:pPr>
-            <a:r>
-              <a:rPr lang="de-DE" sz="2500" dirty="0">
-                <a:sym typeface="Wingdings" panose="05000000000000000000" pitchFamily="2" charset="2"/>
-              </a:rPr>
-              <a:t>Controller ziehen sich hinaus  wegen Verzögerung</a:t>
-            </a:r>
-          </a:p>
-          <a:p>
-            <a:pPr marL="285750" indent="-285750">
-              <a:lnSpc>
-                <a:spcPct val="150000"/>
-              </a:lnSpc>
-              <a:buFont typeface="Symbol" panose="05050102010706020507" pitchFamily="18" charset="2"/>
-              <a:buChar char="-"/>
-            </a:pPr>
-            <a:r>
-              <a:rPr lang="de-DE" sz="2500" dirty="0">
-                <a:sym typeface="Wingdings" panose="05000000000000000000" pitchFamily="2" charset="2"/>
-              </a:rPr>
-              <a:t>Zwischenzeitlich: Web-App und Mobile-App</a:t>
-            </a:r>
-          </a:p>
-          <a:p>
-            <a:pPr marL="285750" indent="-285750">
-              <a:lnSpc>
-                <a:spcPct val="150000"/>
-              </a:lnSpc>
-              <a:buFont typeface="Symbol" panose="05050102010706020507" pitchFamily="18" charset="2"/>
-              <a:buChar char="-"/>
-            </a:pPr>
-            <a:r>
-              <a:rPr lang="de-DE" sz="2500" dirty="0">
-                <a:sym typeface="Wingdings" panose="05000000000000000000" pitchFamily="2" charset="2"/>
-              </a:rPr>
-              <a:t>Dokumentation: läuft okay, Layout ist fertig, Recherche teilweise schon fertig, Web-/Mobile-App Dokumentation noch ‘</a:t>
-            </a:r>
-            <a:r>
-              <a:rPr lang="de-DE" sz="2500" dirty="0" err="1">
-                <a:sym typeface="Wingdings" panose="05000000000000000000" pitchFamily="2" charset="2"/>
-              </a:rPr>
-              <a:t>unoffiziell</a:t>
-            </a:r>
-            <a:r>
-              <a:rPr lang="de-DE" sz="2500" dirty="0">
-                <a:sym typeface="Wingdings" panose="05000000000000000000" pitchFamily="2" charset="2"/>
-              </a:rPr>
-              <a:t>‘ gehalten</a:t>
-            </a:r>
-            <a:endParaRPr lang="de-AT" sz="2500" dirty="0"/>
-          </a:p>
-        </p:txBody>
-      </p:sp>
+            <a:r>
+              <a:rPr lang="de-AT" sz="2000" dirty="0"/>
+              <a:t>2/5</a:t>
+            </a:r>
+          </a:p>
+        </p:txBody>
+      </p:sp>
+      <p:graphicFrame>
+        <p:nvGraphicFramePr>
+          <p:cNvPr id="6" name="Tabelle 5">
+            <a:extLst>
+              <a:ext uri="{FF2B5EF4-FFF2-40B4-BE49-F238E27FC236}">
+                <a16:creationId xmlns:a16="http://schemas.microsoft.com/office/drawing/2014/main" id="{C2670794-369C-270D-9EDC-1ED69D3E2528}"/>
+              </a:ext>
+            </a:extLst>
+          </p:cNvPr>
+          <p:cNvGraphicFramePr>
+            <a:graphicFrameLocks noGrp="1"/>
+          </p:cNvGraphicFramePr>
+          <p:nvPr>
+            <p:extLst>
+              <p:ext uri="{D42A27DB-BD31-4B8C-83A1-F6EECF244321}">
+                <p14:modId xmlns:p14="http://schemas.microsoft.com/office/powerpoint/2010/main" val="2353495175"/>
+              </p:ext>
+            </p:extLst>
+          </p:nvPr>
+        </p:nvGraphicFramePr>
+        <p:xfrm>
+          <a:off x="2031997" y="2759264"/>
+          <a:ext cx="8128000" cy="2595880"/>
+        </p:xfrm>
+        <a:graphic>
+          <a:graphicData uri="http://schemas.openxmlformats.org/drawingml/2006/table">
+            <a:tbl>
+              <a:tblPr firstRow="1" bandRow="1">
+                <a:tableStyleId>{5C22544A-7EE6-4342-B048-85BDC9FD1C3A}</a:tableStyleId>
+              </a:tblPr>
+              <a:tblGrid>
+                <a:gridCol w="4064000">
+                  <a:extLst>
+                    <a:ext uri="{9D8B030D-6E8A-4147-A177-3AD203B41FA5}">
+                      <a16:colId xmlns:a16="http://schemas.microsoft.com/office/drawing/2014/main" val="2476583726"/>
+                    </a:ext>
+                  </a:extLst>
+                </a:gridCol>
+                <a:gridCol w="4064000">
+                  <a:extLst>
+                    <a:ext uri="{9D8B030D-6E8A-4147-A177-3AD203B41FA5}">
+                      <a16:colId xmlns:a16="http://schemas.microsoft.com/office/drawing/2014/main" val="2612919155"/>
+                    </a:ext>
+                  </a:extLst>
+                </a:gridCol>
+              </a:tblGrid>
+              <a:tr h="370840">
+                <a:tc>
+                  <a:txBody>
+                    <a:bodyPr/>
+                    <a:lstStyle/>
+                    <a:p>
+                      <a:r>
+                        <a:rPr lang="de-DE" dirty="0"/>
+                        <a:t>Alessandro</a:t>
+                      </a:r>
+                      <a:endParaRPr lang="de-AT" dirty="0"/>
+                    </a:p>
+                  </a:txBody>
+                  <a:tcPr/>
+                </a:tc>
+                <a:tc>
+                  <a:txBody>
+                    <a:bodyPr/>
+                    <a:lstStyle/>
+                    <a:p>
+                      <a:r>
+                        <a:rPr lang="de-DE" dirty="0"/>
+                        <a:t>Sarah</a:t>
+                      </a:r>
+                      <a:endParaRPr lang="de-AT" dirty="0"/>
+                    </a:p>
+                  </a:txBody>
+                  <a:tcPr/>
+                </a:tc>
+                <a:extLst>
+                  <a:ext uri="{0D108BD9-81ED-4DB2-BD59-A6C34878D82A}">
+                    <a16:rowId xmlns:a16="http://schemas.microsoft.com/office/drawing/2014/main" val="1769536832"/>
+                  </a:ext>
+                </a:extLst>
+              </a:tr>
+              <a:tr h="370840">
+                <a:tc>
+                  <a:txBody>
+                    <a:bodyPr/>
+                    <a:lstStyle/>
+                    <a:p>
+                      <a:r>
+                        <a:rPr lang="de-DE" dirty="0">
+                          <a:highlight>
+                            <a:srgbClr val="00FF00"/>
+                          </a:highlight>
+                        </a:rPr>
+                        <a:t>Recherche</a:t>
+                      </a:r>
+                      <a:endParaRPr lang="de-AT" dirty="0">
+                        <a:highlight>
+                          <a:srgbClr val="00FF00"/>
+                        </a:highlight>
+                      </a:endParaRPr>
+                    </a:p>
+                  </a:txBody>
+                  <a:tcPr/>
+                </a:tc>
+                <a:tc>
+                  <a:txBody>
+                    <a:bodyPr/>
+                    <a:lstStyle/>
+                    <a:p>
+                      <a:r>
+                        <a:rPr lang="de-DE" dirty="0">
+                          <a:highlight>
+                            <a:srgbClr val="00FF00"/>
+                          </a:highlight>
+                        </a:rPr>
+                        <a:t>Recherche</a:t>
+                      </a:r>
+                      <a:endParaRPr lang="de-AT" dirty="0">
+                        <a:highlight>
+                          <a:srgbClr val="00FF00"/>
+                        </a:highlight>
+                      </a:endParaRPr>
+                    </a:p>
+                  </a:txBody>
+                  <a:tcPr/>
+                </a:tc>
+                <a:extLst>
+                  <a:ext uri="{0D108BD9-81ED-4DB2-BD59-A6C34878D82A}">
+                    <a16:rowId xmlns:a16="http://schemas.microsoft.com/office/drawing/2014/main" val="4072563624"/>
+                  </a:ext>
+                </a:extLst>
+              </a:tr>
+              <a:tr h="370840">
+                <a:tc>
+                  <a:txBody>
+                    <a:bodyPr/>
+                    <a:lstStyle/>
+                    <a:p>
+                      <a:r>
+                        <a:rPr lang="de-DE" dirty="0">
+                          <a:highlight>
+                            <a:srgbClr val="FFFF00"/>
+                          </a:highlight>
+                        </a:rPr>
+                        <a:t>Vorarbeit</a:t>
+                      </a:r>
+                      <a:endParaRPr lang="de-AT" dirty="0">
+                        <a:highlight>
+                          <a:srgbClr val="FFFF00"/>
+                        </a:highlight>
+                      </a:endParaRPr>
+                    </a:p>
+                  </a:txBody>
+                  <a:tcPr/>
+                </a:tc>
+                <a:tc>
+                  <a:txBody>
+                    <a:bodyPr/>
+                    <a:lstStyle/>
+                    <a:p>
+                      <a:r>
+                        <a:rPr lang="de-DE" dirty="0">
+                          <a:highlight>
+                            <a:srgbClr val="00FF00"/>
+                          </a:highlight>
+                        </a:rPr>
+                        <a:t>Planung Software</a:t>
+                      </a:r>
+                      <a:endParaRPr lang="de-AT" dirty="0">
+                        <a:highlight>
+                          <a:srgbClr val="00FF00"/>
+                        </a:highlight>
+                      </a:endParaRPr>
+                    </a:p>
+                  </a:txBody>
+                  <a:tcPr/>
+                </a:tc>
+                <a:extLst>
+                  <a:ext uri="{0D108BD9-81ED-4DB2-BD59-A6C34878D82A}">
+                    <a16:rowId xmlns:a16="http://schemas.microsoft.com/office/drawing/2014/main" val="1789898435"/>
+                  </a:ext>
+                </a:extLst>
+              </a:tr>
+              <a:tr h="370840">
+                <a:tc>
+                  <a:txBody>
+                    <a:bodyPr/>
+                    <a:lstStyle/>
+                    <a:p>
+                      <a:pPr marL="0" marR="0" lvl="0" indent="0" algn="l" defTabSz="914400" rtl="0" eaLnBrk="1" fontAlgn="auto" latinLnBrk="0" hangingPunct="1">
+                        <a:lnSpc>
+                          <a:spcPct val="100000"/>
+                        </a:lnSpc>
+                        <a:spcBef>
+                          <a:spcPts val="0"/>
+                        </a:spcBef>
+                        <a:spcAft>
+                          <a:spcPts val="0"/>
+                        </a:spcAft>
+                        <a:buClrTx/>
+                        <a:buSzTx/>
+                        <a:buFontTx/>
+                        <a:buNone/>
+                        <a:tabLst/>
+                        <a:defRPr/>
+                      </a:pPr>
+                      <a:r>
+                        <a:rPr lang="de-DE" dirty="0">
+                          <a:highlight>
+                            <a:srgbClr val="FFFF00"/>
+                          </a:highlight>
+                        </a:rPr>
+                        <a:t>Webapp</a:t>
+                      </a:r>
+                      <a:endParaRPr lang="de-AT" dirty="0">
+                        <a:highlight>
+                          <a:srgbClr val="FFFF00"/>
+                        </a:highlight>
+                      </a:endParaRPr>
+                    </a:p>
+                  </a:txBody>
+                  <a:tcPr/>
+                </a:tc>
+                <a:tc>
+                  <a:txBody>
+                    <a:bodyPr/>
+                    <a:lstStyle/>
+                    <a:p>
+                      <a:r>
+                        <a:rPr lang="de-DE" dirty="0">
+                          <a:highlight>
+                            <a:srgbClr val="FFFF00"/>
+                          </a:highlight>
+                        </a:rPr>
+                        <a:t>Mobile App</a:t>
+                      </a:r>
+                      <a:endParaRPr lang="de-AT" dirty="0">
+                        <a:highlight>
+                          <a:srgbClr val="FFFF00"/>
+                        </a:highlight>
+                      </a:endParaRPr>
+                    </a:p>
+                  </a:txBody>
+                  <a:tcPr/>
+                </a:tc>
+                <a:extLst>
+                  <a:ext uri="{0D108BD9-81ED-4DB2-BD59-A6C34878D82A}">
+                    <a16:rowId xmlns:a16="http://schemas.microsoft.com/office/drawing/2014/main" val="4142207128"/>
+                  </a:ext>
+                </a:extLst>
+              </a:tr>
+              <a:tr h="370840">
+                <a:tc>
+                  <a:txBody>
+                    <a:bodyPr/>
+                    <a:lstStyle/>
+                    <a:p>
+                      <a:r>
+                        <a:rPr lang="de-DE" dirty="0" err="1">
+                          <a:highlight>
+                            <a:srgbClr val="FF0000"/>
+                          </a:highlight>
+                        </a:rPr>
+                        <a:t>Asic</a:t>
+                      </a:r>
+                      <a:r>
+                        <a:rPr lang="de-DE" dirty="0">
+                          <a:highlight>
+                            <a:srgbClr val="FF0000"/>
+                          </a:highlight>
+                        </a:rPr>
+                        <a:t> API</a:t>
+                      </a:r>
+                      <a:endParaRPr lang="de-AT" dirty="0">
+                        <a:highlight>
+                          <a:srgbClr val="FF0000"/>
+                        </a:highlight>
+                      </a:endParaRPr>
+                    </a:p>
+                  </a:txBody>
+                  <a:tcPr/>
+                </a:tc>
+                <a:tc>
+                  <a:txBody>
+                    <a:bodyPr/>
+                    <a:lstStyle/>
+                    <a:p>
+                      <a:pPr marL="0" marR="0" lvl="0" indent="0" algn="l" defTabSz="914400" rtl="0" eaLnBrk="1" fontAlgn="auto" latinLnBrk="0" hangingPunct="1">
+                        <a:lnSpc>
+                          <a:spcPct val="100000"/>
+                        </a:lnSpc>
+                        <a:spcBef>
+                          <a:spcPts val="0"/>
+                        </a:spcBef>
+                        <a:spcAft>
+                          <a:spcPts val="0"/>
+                        </a:spcAft>
+                        <a:buClrTx/>
+                        <a:buSzTx/>
+                        <a:buFontTx/>
+                        <a:buNone/>
+                        <a:tabLst/>
+                        <a:defRPr/>
+                      </a:pPr>
+                      <a:r>
+                        <a:rPr lang="de-DE" dirty="0">
+                          <a:highlight>
+                            <a:srgbClr val="FF0000"/>
+                          </a:highlight>
+                        </a:rPr>
+                        <a:t>PV-Controller</a:t>
+                      </a:r>
+                      <a:endParaRPr lang="de-AT" dirty="0">
+                        <a:highlight>
+                          <a:srgbClr val="FF0000"/>
+                        </a:highlight>
+                      </a:endParaRPr>
+                    </a:p>
+                  </a:txBody>
+                  <a:tcPr/>
+                </a:tc>
+                <a:extLst>
+                  <a:ext uri="{0D108BD9-81ED-4DB2-BD59-A6C34878D82A}">
+                    <a16:rowId xmlns:a16="http://schemas.microsoft.com/office/drawing/2014/main" val="4120177748"/>
+                  </a:ext>
+                </a:extLst>
+              </a:tr>
+              <a:tr h="370840">
+                <a:tc>
+                  <a:txBody>
+                    <a:bodyPr/>
+                    <a:lstStyle/>
+                    <a:p>
+                      <a:r>
+                        <a:rPr lang="de-DE" dirty="0">
+                          <a:highlight>
+                            <a:srgbClr val="FF0000"/>
+                          </a:highlight>
+                        </a:rPr>
+                        <a:t>Mining Controller</a:t>
+                      </a:r>
+                      <a:endParaRPr lang="de-AT" dirty="0">
+                        <a:highlight>
+                          <a:srgbClr val="FF0000"/>
+                        </a:highlight>
+                      </a:endParaRPr>
+                    </a:p>
+                  </a:txBody>
+                  <a:tcPr/>
+                </a:tc>
+                <a:tc>
+                  <a:txBody>
+                    <a:bodyPr/>
+                    <a:lstStyle/>
+                    <a:p>
+                      <a:r>
+                        <a:rPr lang="de-DE" dirty="0">
+                          <a:highlight>
+                            <a:srgbClr val="FF0000"/>
+                          </a:highlight>
+                        </a:rPr>
+                        <a:t>PV und Speicher API</a:t>
+                      </a:r>
+                      <a:endParaRPr lang="de-AT" dirty="0">
+                        <a:highlight>
+                          <a:srgbClr val="FF0000"/>
+                        </a:highlight>
+                      </a:endParaRPr>
+                    </a:p>
+                  </a:txBody>
+                  <a:tcPr/>
+                </a:tc>
+                <a:extLst>
+                  <a:ext uri="{0D108BD9-81ED-4DB2-BD59-A6C34878D82A}">
+                    <a16:rowId xmlns:a16="http://schemas.microsoft.com/office/drawing/2014/main" val="1287334678"/>
+                  </a:ext>
+                </a:extLst>
+              </a:tr>
+              <a:tr h="370840">
+                <a:tc>
+                  <a:txBody>
+                    <a:bodyPr/>
+                    <a:lstStyle/>
+                    <a:p>
+                      <a:endParaRPr lang="de-AT" dirty="0"/>
+                    </a:p>
+                  </a:txBody>
+                  <a:tcPr/>
+                </a:tc>
+                <a:tc>
+                  <a:txBody>
+                    <a:bodyPr/>
+                    <a:lstStyle/>
+                    <a:p>
+                      <a:pPr marL="0" marR="0" lvl="0" indent="0" algn="l" defTabSz="914400" rtl="0" eaLnBrk="1" fontAlgn="auto" latinLnBrk="0" hangingPunct="1">
+                        <a:lnSpc>
+                          <a:spcPct val="100000"/>
+                        </a:lnSpc>
+                        <a:spcBef>
+                          <a:spcPts val="0"/>
+                        </a:spcBef>
+                        <a:spcAft>
+                          <a:spcPts val="0"/>
+                        </a:spcAft>
+                        <a:buClrTx/>
+                        <a:buSzTx/>
+                        <a:buFontTx/>
+                        <a:buNone/>
+                        <a:tabLst/>
+                        <a:defRPr/>
+                      </a:pPr>
+                      <a:r>
+                        <a:rPr lang="de-DE" dirty="0">
+                          <a:highlight>
+                            <a:srgbClr val="FF0000"/>
+                          </a:highlight>
+                        </a:rPr>
+                        <a:t>Speicher Controller</a:t>
+                      </a:r>
+                      <a:endParaRPr lang="de-AT" dirty="0">
+                        <a:highlight>
+                          <a:srgbClr val="FF0000"/>
+                        </a:highlight>
+                      </a:endParaRPr>
+                    </a:p>
+                  </a:txBody>
+                  <a:tcPr/>
+                </a:tc>
+                <a:extLst>
+                  <a:ext uri="{0D108BD9-81ED-4DB2-BD59-A6C34878D82A}">
+                    <a16:rowId xmlns:a16="http://schemas.microsoft.com/office/drawing/2014/main" val="3831465658"/>
+                  </a:ext>
+                </a:extLst>
+              </a:tr>
+            </a:tbl>
+          </a:graphicData>
+        </a:graphic>
+      </p:graphicFrame>
     </p:spTree>
     <p:extLst>
       <p:ext uri="{BB962C8B-B14F-4D97-AF65-F5344CB8AC3E}">
-        <p14:creationId xmlns:p14="http://schemas.microsoft.com/office/powerpoint/2010/main" val="3406703489"/>
+        <p14:creationId xmlns:p14="http://schemas.microsoft.com/office/powerpoint/2010/main" val="4157917957"/>
       </p:ext>
     </p:extLst>
   </p:cSld>
@@ -5813,17 +6097,17 @@
         </p:nvSpPr>
         <p:spPr>
           <a:xfrm>
-            <a:off x="1079568" y="2486397"/>
-            <a:ext cx="10036632" cy="1240035"/>
+            <a:off x="1523997" y="1298781"/>
+            <a:ext cx="9144000" cy="1240035"/>
           </a:xfrm>
         </p:spPr>
         <p:txBody>
           <a:bodyPr>
-            <a:normAutofit/>
+            <a:normAutofit fontScale="90000"/>
           </a:bodyPr>
           <a:lstStyle/>
           <a:p>
-            <a:pPr>
+            <a:pPr algn="l">
               <a:lnSpc>
                 <a:spcPct val="150000"/>
               </a:lnSpc>
@@ -5836,9 +6120,16 @@
                   </a:schemeClr>
                 </a:solidFill>
               </a:rPr>
-              <a:t>Soll/Ist Vergleich</a:t>
-            </a:r>
-            <a:endParaRPr lang="de-AT" sz="2800" spc="-150" dirty="0"/>
+              <a:t>Projektstand</a:t>
+            </a:r>
+            <a:br>
+              <a:rPr lang="de-DE" sz="4800" dirty="0"/>
+            </a:br>
+            <a:r>
+              <a:rPr lang="ko-KR" altLang="de-DE" sz="2400" spc="-150" dirty="0"/>
+              <a:t>ㅤ</a:t>
+            </a:r>
+            <a:endParaRPr lang="de-AT" sz="4800" spc="-150" dirty="0"/>
           </a:p>
         </p:txBody>
       </p:sp>
@@ -6199,7 +6490,7 @@
         </p:nvCxnSpPr>
         <p:spPr>
           <a:xfrm>
-            <a:off x="1160893" y="3982079"/>
+            <a:off x="1195805" y="2186353"/>
             <a:ext cx="9644853" cy="0"/>
           </a:xfrm>
           <a:prstGeom prst="line">
@@ -6237,7 +6528,7 @@
         </p:nvCxnSpPr>
         <p:spPr>
           <a:xfrm>
-            <a:off x="-33340" y="6379760"/>
+            <a:off x="-33340" y="6388638"/>
             <a:ext cx="12258675" cy="0"/>
           </a:xfrm>
           <a:prstGeom prst="line">
@@ -6318,18 +6609,136 @@
           <a:bodyPr/>
           <a:lstStyle/>
           <a:p>
-            <a:fld id="{8FD935AB-3778-4C3A-9B0B-CB9A2B15CB86}" type="slidenum">
-              <a:rPr lang="de-AT" sz="2000" smtClean="0"/>
-              <a:t>4</a:t>
-            </a:fld>
-            <a:endParaRPr lang="de-AT" sz="2000" dirty="0"/>
+            <a:r>
+              <a:rPr lang="de-AT" sz="2000" dirty="0"/>
+              <a:t>3/5</a:t>
+            </a:r>
+          </a:p>
+        </p:txBody>
+      </p:sp>
+      <p:sp>
+        <p:nvSpPr>
+          <p:cNvPr id="4" name="Textfeld 3">
+            <a:extLst>
+              <a:ext uri="{FF2B5EF4-FFF2-40B4-BE49-F238E27FC236}">
+                <a16:creationId xmlns:a16="http://schemas.microsoft.com/office/drawing/2014/main" id="{2EEAF618-E59C-7567-A81C-99CAF75A7B16}"/>
+              </a:ext>
+            </a:extLst>
+          </p:cNvPr>
+          <p:cNvSpPr txBox="1"/>
+          <p:nvPr/>
+        </p:nvSpPr>
+        <p:spPr>
+          <a:xfrm>
+            <a:off x="896812" y="2497718"/>
+            <a:ext cx="10398369" cy="3495188"/>
+          </a:xfrm>
+          <a:prstGeom prst="rect">
+            <a:avLst/>
+          </a:prstGeom>
+          <a:noFill/>
+        </p:spPr>
+        <p:txBody>
+          <a:bodyPr wrap="square" rtlCol="0">
+            <a:spAutoFit/>
+          </a:bodyPr>
+          <a:lstStyle/>
+          <a:p>
+            <a:pPr marL="285750" indent="-285750">
+              <a:lnSpc>
+                <a:spcPct val="150000"/>
+              </a:lnSpc>
+              <a:buFont typeface="Symbol" panose="05050102010706020507" pitchFamily="18" charset="2"/>
+              <a:buChar char="-"/>
+            </a:pPr>
+            <a:r>
+              <a:rPr lang="de-DE" sz="2500" dirty="0"/>
+              <a:t>Planung fertiggestellt</a:t>
+            </a:r>
+          </a:p>
+          <a:p>
+            <a:pPr marL="285750" indent="-285750">
+              <a:lnSpc>
+                <a:spcPct val="150000"/>
+              </a:lnSpc>
+              <a:buFont typeface="Symbol" panose="05050102010706020507" pitchFamily="18" charset="2"/>
+              <a:buChar char="-"/>
+            </a:pPr>
+            <a:r>
+              <a:rPr lang="de-DE" sz="2500" dirty="0"/>
+              <a:t>Vorarbeit fast fertig </a:t>
+            </a:r>
+            <a:r>
+              <a:rPr lang="de-DE" sz="2500" dirty="0">
+                <a:sym typeface="Wingdings" panose="05000000000000000000" pitchFamily="2" charset="2"/>
+              </a:rPr>
+              <a:t> eine Verzögerung</a:t>
+            </a:r>
+          </a:p>
+          <a:p>
+            <a:pPr marL="285750" indent="-285750">
+              <a:lnSpc>
+                <a:spcPct val="150000"/>
+              </a:lnSpc>
+              <a:buFont typeface="Symbol" panose="05050102010706020507" pitchFamily="18" charset="2"/>
+              <a:buChar char="-"/>
+            </a:pPr>
+            <a:r>
+              <a:rPr lang="de-DE" sz="2500" dirty="0">
+                <a:sym typeface="Wingdings" panose="05000000000000000000" pitchFamily="2" charset="2"/>
+              </a:rPr>
+              <a:t>Controller ziehen sich hinaus  wegen Verzögerung</a:t>
+            </a:r>
+          </a:p>
+          <a:p>
+            <a:pPr marL="285750" indent="-285750">
+              <a:lnSpc>
+                <a:spcPct val="150000"/>
+              </a:lnSpc>
+              <a:buFont typeface="Symbol" panose="05050102010706020507" pitchFamily="18" charset="2"/>
+              <a:buChar char="-"/>
+            </a:pPr>
+            <a:r>
+              <a:rPr lang="de-DE" sz="2500" dirty="0">
+                <a:sym typeface="Wingdings" panose="05000000000000000000" pitchFamily="2" charset="2"/>
+              </a:rPr>
+              <a:t>Zwischenzeitlich: Web-App und Mobile-App</a:t>
+            </a:r>
+          </a:p>
+          <a:p>
+            <a:pPr marL="285750" indent="-285750">
+              <a:lnSpc>
+                <a:spcPct val="150000"/>
+              </a:lnSpc>
+              <a:buFont typeface="Symbol" panose="05050102010706020507" pitchFamily="18" charset="2"/>
+              <a:buChar char="-"/>
+            </a:pPr>
+            <a:r>
+              <a:rPr lang="de-DE" sz="2500" dirty="0">
+                <a:sym typeface="Wingdings" panose="05000000000000000000" pitchFamily="2" charset="2"/>
+              </a:rPr>
+              <a:t>Dokumentation: läuft, Layout ist fertig, Recherche teilweise schon fertig, Web-/Mobile-App Dokumentation noch ‘</a:t>
+            </a:r>
+            <a:r>
+              <a:rPr lang="de-DE" sz="2500" dirty="0" err="1">
+                <a:sym typeface="Wingdings" panose="05000000000000000000" pitchFamily="2" charset="2"/>
+              </a:rPr>
+              <a:t>unoffiziell</a:t>
+            </a:r>
+            <a:r>
+              <a:rPr lang="de-DE" sz="2500" dirty="0">
+                <a:sym typeface="Wingdings" panose="05000000000000000000" pitchFamily="2" charset="2"/>
+              </a:rPr>
+              <a:t>‘ gehalten</a:t>
+            </a:r>
+            <a:endParaRPr lang="de-AT" sz="2500" dirty="0"/>
           </a:p>
         </p:txBody>
       </p:sp>
     </p:spTree>
     <p:extLst>
       <p:ext uri="{BB962C8B-B14F-4D97-AF65-F5344CB8AC3E}">
-        <p14:creationId xmlns:p14="http://schemas.microsoft.com/office/powerpoint/2010/main" val="2088493238"/>
+        <p14:creationId xmlns:p14="http://schemas.microsoft.com/office/powerpoint/2010/main" val="3406703489"/>
       </p:ext>
     </p:extLst>
   </p:cSld>
@@ -6374,17 +6783,17 @@
         </p:nvSpPr>
         <p:spPr>
           <a:xfrm>
-            <a:off x="1523997" y="1298781"/>
-            <a:ext cx="9144000" cy="1240035"/>
+            <a:off x="1079568" y="2486397"/>
+            <a:ext cx="10036632" cy="1240035"/>
           </a:xfrm>
         </p:spPr>
         <p:txBody>
           <a:bodyPr>
-            <a:normAutofit fontScale="90000"/>
+            <a:normAutofit/>
           </a:bodyPr>
           <a:lstStyle/>
           <a:p>
-            <a:pPr algn="l">
+            <a:pPr>
               <a:lnSpc>
                 <a:spcPct val="150000"/>
               </a:lnSpc>
@@ -6397,16 +6806,9 @@
                   </a:schemeClr>
                 </a:solidFill>
               </a:rPr>
-              <a:t>Probleme/zu verbessern</a:t>
-            </a:r>
-            <a:br>
-              <a:rPr lang="de-DE" sz="4800" dirty="0"/>
-            </a:br>
-            <a:r>
-              <a:rPr lang="ko-KR" altLang="de-DE" sz="2400" spc="-150" dirty="0"/>
-              <a:t>ㅤ</a:t>
-            </a:r>
-            <a:endParaRPr lang="de-AT" sz="4800" spc="-150" dirty="0"/>
+              <a:t>Soll/Ist Vergleich</a:t>
+            </a:r>
+            <a:endParaRPr lang="de-AT" sz="2800" spc="-150" dirty="0"/>
           </a:p>
         </p:txBody>
       </p:sp>
@@ -6767,7 +7169,7 @@
         </p:nvCxnSpPr>
         <p:spPr>
           <a:xfrm>
-            <a:off x="1195805" y="2186353"/>
+            <a:off x="1160893" y="3982079"/>
             <a:ext cx="9644853" cy="0"/>
           </a:xfrm>
           <a:prstGeom prst="line">
@@ -6886,11 +7288,577 @@
           <a:bodyPr/>
           <a:lstStyle/>
           <a:p>
-            <a:fld id="{8FD935AB-3778-4C3A-9B0B-CB9A2B15CB86}" type="slidenum">
-              <a:rPr lang="de-AT" sz="2000" smtClean="0"/>
-              <a:t>5</a:t>
-            </a:fld>
+            <a:r>
+              <a:rPr lang="de-AT" sz="2000" dirty="0"/>
+              <a:t>4/5</a:t>
+            </a:r>
+          </a:p>
+        </p:txBody>
+      </p:sp>
+    </p:spTree>
+    <p:extLst>
+      <p:ext uri="{BB962C8B-B14F-4D97-AF65-F5344CB8AC3E}">
+        <p14:creationId xmlns:p14="http://schemas.microsoft.com/office/powerpoint/2010/main" val="2088493238"/>
+      </p:ext>
+    </p:extLst>
+  </p:cSld>
+  <p:clrMapOvr>
+    <a:masterClrMapping/>
+  </p:clrMapOvr>
+</p:sld>
+</file>
+
+<file path=ppt/slides/slide6.xml><?xml version="1.0" encoding="utf-8"?>
+<p:sld xmlns:a="http://schemas.openxmlformats.org/drawingml/2006/main" xmlns:r="http://schemas.openxmlformats.org/officeDocument/2006/relationships" xmlns:p="http://schemas.openxmlformats.org/presentationml/2006/main">
+  <p:cSld>
+    <p:spTree>
+      <p:nvGrpSpPr>
+        <p:cNvPr id="1" name=""/>
+        <p:cNvGrpSpPr/>
+        <p:nvPr/>
+      </p:nvGrpSpPr>
+      <p:grpSpPr>
+        <a:xfrm>
+          <a:off x="0" y="0"/>
+          <a:ext cx="0" cy="0"/>
+          <a:chOff x="0" y="0"/>
+          <a:chExt cx="0" cy="0"/>
+        </a:xfrm>
+      </p:grpSpPr>
+      <p:sp>
+        <p:nvSpPr>
+          <p:cNvPr id="2" name="Titel 1">
+            <a:extLst>
+              <a:ext uri="{FF2B5EF4-FFF2-40B4-BE49-F238E27FC236}">
+                <a16:creationId xmlns:a16="http://schemas.microsoft.com/office/drawing/2014/main" id="{7D4644C0-5326-54F3-F1CD-A1E4F99530CC}"/>
+              </a:ext>
+            </a:extLst>
+          </p:cNvPr>
+          <p:cNvSpPr>
+            <a:spLocks noGrp="1"/>
+          </p:cNvSpPr>
+          <p:nvPr>
+            <p:ph type="ctrTitle"/>
+          </p:nvPr>
+        </p:nvSpPr>
+        <p:spPr>
+          <a:xfrm>
+            <a:off x="1523997" y="1298781"/>
+            <a:ext cx="9144000" cy="1240035"/>
+          </a:xfrm>
+        </p:spPr>
+        <p:txBody>
+          <a:bodyPr>
+            <a:normAutofit fontScale="90000"/>
+          </a:bodyPr>
+          <a:lstStyle/>
+          <a:p>
+            <a:pPr algn="l">
+              <a:lnSpc>
+                <a:spcPct val="150000"/>
+              </a:lnSpc>
+            </a:pPr>
+            <a:r>
+              <a:rPr lang="de-DE" sz="4800" dirty="0">
+                <a:solidFill>
+                  <a:schemeClr val="accent5">
+                    <a:lumMod val="75000"/>
+                  </a:schemeClr>
+                </a:solidFill>
+              </a:rPr>
+              <a:t>Probleme/zu verbessern</a:t>
+            </a:r>
+            <a:br>
+              <a:rPr lang="de-DE" sz="4800" dirty="0"/>
+            </a:br>
+            <a:r>
+              <a:rPr lang="ko-KR" altLang="de-DE" sz="2400" spc="-150" dirty="0"/>
+              <a:t>ㅤ</a:t>
+            </a:r>
+            <a:endParaRPr lang="de-AT" sz="4800" spc="-150" dirty="0"/>
+          </a:p>
+        </p:txBody>
+      </p:sp>
+      <p:sp>
+        <p:nvSpPr>
+          <p:cNvPr id="3" name="Untertitel 2">
+            <a:extLst>
+              <a:ext uri="{FF2B5EF4-FFF2-40B4-BE49-F238E27FC236}">
+                <a16:creationId xmlns:a16="http://schemas.microsoft.com/office/drawing/2014/main" id="{73E5DD86-FF30-F0E1-9149-6A417981201B}"/>
+              </a:ext>
+            </a:extLst>
+          </p:cNvPr>
+          <p:cNvSpPr>
+            <a:spLocks noGrp="1"/>
+          </p:cNvSpPr>
+          <p:nvPr>
+            <p:ph type="subTitle" idx="1"/>
+          </p:nvPr>
+        </p:nvSpPr>
+        <p:spPr>
+          <a:xfrm>
+            <a:off x="492625" y="148264"/>
+            <a:ext cx="2062749" cy="920543"/>
+          </a:xfrm>
+        </p:spPr>
+        <p:txBody>
+          <a:bodyPr>
+            <a:normAutofit fontScale="85000" lnSpcReduction="20000"/>
+          </a:bodyPr>
+          <a:lstStyle/>
+          <a:p>
+            <a:r>
+              <a:rPr lang="de-DE" sz="2000" dirty="0"/>
+              <a:t>HTL Saalfelden</a:t>
+            </a:r>
+          </a:p>
+          <a:p>
+            <a:r>
+              <a:rPr lang="de-DE" sz="2000" dirty="0"/>
+              <a:t>Abteilung Informatik</a:t>
+            </a:r>
+          </a:p>
+          <a:p>
+            <a:r>
+              <a:rPr lang="de-DE" sz="2000" dirty="0"/>
+              <a:t>5. AHINF – 2023/24</a:t>
+            </a:r>
             <a:endParaRPr lang="de-AT" sz="2000" dirty="0"/>
+          </a:p>
+        </p:txBody>
+      </p:sp>
+      <p:pic>
+        <p:nvPicPr>
+          <p:cNvPr id="1026" name="Picture 2" descr="Schnuppertag: Bautechnik an der HTL Saalfelden">
+            <a:extLst>
+              <a:ext uri="{FF2B5EF4-FFF2-40B4-BE49-F238E27FC236}">
+                <a16:creationId xmlns:a16="http://schemas.microsoft.com/office/drawing/2014/main" id="{CEE757E2-9B2E-C82C-CAF2-8A796C8BEA9F}"/>
+              </a:ext>
+            </a:extLst>
+          </p:cNvPr>
+          <p:cNvPicPr>
+            <a:picLocks noChangeAspect="1" noChangeArrowheads="1"/>
+          </p:cNvPicPr>
+          <p:nvPr/>
+        </p:nvPicPr>
+        <p:blipFill>
+          <a:blip r:embed="rId2">
+            <a:extLst>
+              <a:ext uri="{28A0092B-C50C-407E-A947-70E740481C1C}">
+                <a14:useLocalDpi xmlns:a14="http://schemas.microsoft.com/office/drawing/2010/main" val="0"/>
+              </a:ext>
+            </a:extLst>
+          </a:blip>
+          <a:srcRect/>
+          <a:stretch>
+            <a:fillRect/>
+          </a:stretch>
+        </p:blipFill>
+        <p:spPr bwMode="auto">
+          <a:xfrm>
+            <a:off x="11116200" y="61624"/>
+            <a:ext cx="943806" cy="1045178"/>
+          </a:xfrm>
+          <a:prstGeom prst="rect">
+            <a:avLst/>
+          </a:prstGeom>
+          <a:noFill/>
+          <a:extLst>
+            <a:ext uri="{909E8E84-426E-40DD-AFC4-6F175D3DCCD1}">
+              <a14:hiddenFill xmlns:a14="http://schemas.microsoft.com/office/drawing/2010/main">
+                <a:solidFill>
+                  <a:srgbClr val="FFFFFF"/>
+                </a:solidFill>
+              </a14:hiddenFill>
+            </a:ext>
+          </a:extLst>
+        </p:spPr>
+      </p:pic>
+      <p:sp>
+        <p:nvSpPr>
+          <p:cNvPr id="5" name="Untertitel 2">
+            <a:extLst>
+              <a:ext uri="{FF2B5EF4-FFF2-40B4-BE49-F238E27FC236}">
+                <a16:creationId xmlns:a16="http://schemas.microsoft.com/office/drawing/2014/main" id="{57426F6F-1D73-45FE-FFA8-3ACF345E6A56}"/>
+              </a:ext>
+            </a:extLst>
+          </p:cNvPr>
+          <p:cNvSpPr txBox="1">
+            <a:spLocks/>
+          </p:cNvSpPr>
+          <p:nvPr/>
+        </p:nvSpPr>
+        <p:spPr>
+          <a:xfrm>
+            <a:off x="9268679" y="186505"/>
+            <a:ext cx="1407342" cy="844062"/>
+          </a:xfrm>
+          <a:prstGeom prst="rect">
+            <a:avLst/>
+          </a:prstGeom>
+        </p:spPr>
+        <p:txBody>
+          <a:bodyPr vert="horz" lIns="91440" tIns="45720" rIns="91440" bIns="45720" rtlCol="0">
+            <a:normAutofit/>
+          </a:bodyPr>
+          <a:lstStyle>
+            <a:lvl1pPr marL="0" indent="0" algn="ctr" defTabSz="914400" rtl="0" eaLnBrk="1" latinLnBrk="0" hangingPunct="1">
+              <a:lnSpc>
+                <a:spcPct val="90000"/>
+              </a:lnSpc>
+              <a:spcBef>
+                <a:spcPts val="1000"/>
+              </a:spcBef>
+              <a:buFont typeface="Arial" panose="020B0604020202020204" pitchFamily="34" charset="0"/>
+              <a:buNone/>
+              <a:defRPr sz="2400" kern="1200">
+                <a:solidFill>
+                  <a:schemeClr val="tx1"/>
+                </a:solidFill>
+                <a:latin typeface="+mn-lt"/>
+                <a:ea typeface="+mn-ea"/>
+                <a:cs typeface="+mn-cs"/>
+              </a:defRPr>
+            </a:lvl1pPr>
+            <a:lvl2pPr marL="457200" indent="0" algn="ctr" defTabSz="914400" rtl="0" eaLnBrk="1" latinLnBrk="0" hangingPunct="1">
+              <a:lnSpc>
+                <a:spcPct val="90000"/>
+              </a:lnSpc>
+              <a:spcBef>
+                <a:spcPts val="500"/>
+              </a:spcBef>
+              <a:buFont typeface="Arial" panose="020B0604020202020204" pitchFamily="34" charset="0"/>
+              <a:buNone/>
+              <a:defRPr sz="2000" kern="1200">
+                <a:solidFill>
+                  <a:schemeClr val="tx1"/>
+                </a:solidFill>
+                <a:latin typeface="+mn-lt"/>
+                <a:ea typeface="+mn-ea"/>
+                <a:cs typeface="+mn-cs"/>
+              </a:defRPr>
+            </a:lvl2pPr>
+            <a:lvl3pPr marL="914400" indent="0" algn="ctr" defTabSz="914400" rtl="0" eaLnBrk="1" latinLnBrk="0" hangingPunct="1">
+              <a:lnSpc>
+                <a:spcPct val="90000"/>
+              </a:lnSpc>
+              <a:spcBef>
+                <a:spcPts val="500"/>
+              </a:spcBef>
+              <a:buFont typeface="Arial" panose="020B0604020202020204" pitchFamily="34" charset="0"/>
+              <a:buNone/>
+              <a:defRPr sz="1800" kern="1200">
+                <a:solidFill>
+                  <a:schemeClr val="tx1"/>
+                </a:solidFill>
+                <a:latin typeface="+mn-lt"/>
+                <a:ea typeface="+mn-ea"/>
+                <a:cs typeface="+mn-cs"/>
+              </a:defRPr>
+            </a:lvl3pPr>
+            <a:lvl4pPr marL="1371600" indent="0" algn="ctr" defTabSz="914400" rtl="0" eaLnBrk="1" latinLnBrk="0" hangingPunct="1">
+              <a:lnSpc>
+                <a:spcPct val="90000"/>
+              </a:lnSpc>
+              <a:spcBef>
+                <a:spcPts val="500"/>
+              </a:spcBef>
+              <a:buFont typeface="Arial" panose="020B0604020202020204" pitchFamily="34" charset="0"/>
+              <a:buNone/>
+              <a:defRPr sz="1600" kern="1200">
+                <a:solidFill>
+                  <a:schemeClr val="tx1"/>
+                </a:solidFill>
+                <a:latin typeface="+mn-lt"/>
+                <a:ea typeface="+mn-ea"/>
+                <a:cs typeface="+mn-cs"/>
+              </a:defRPr>
+            </a:lvl4pPr>
+            <a:lvl5pPr marL="1828800" indent="0" algn="ctr" defTabSz="914400" rtl="0" eaLnBrk="1" latinLnBrk="0" hangingPunct="1">
+              <a:lnSpc>
+                <a:spcPct val="90000"/>
+              </a:lnSpc>
+              <a:spcBef>
+                <a:spcPts val="500"/>
+              </a:spcBef>
+              <a:buFont typeface="Arial" panose="020B0604020202020204" pitchFamily="34" charset="0"/>
+              <a:buNone/>
+              <a:defRPr sz="1600" kern="1200">
+                <a:solidFill>
+                  <a:schemeClr val="tx1"/>
+                </a:solidFill>
+                <a:latin typeface="+mn-lt"/>
+                <a:ea typeface="+mn-ea"/>
+                <a:cs typeface="+mn-cs"/>
+              </a:defRPr>
+            </a:lvl5pPr>
+            <a:lvl6pPr marL="2286000" indent="0" algn="ctr" defTabSz="914400" rtl="0" eaLnBrk="1" latinLnBrk="0" hangingPunct="1">
+              <a:lnSpc>
+                <a:spcPct val="90000"/>
+              </a:lnSpc>
+              <a:spcBef>
+                <a:spcPts val="500"/>
+              </a:spcBef>
+              <a:buFont typeface="Arial" panose="020B0604020202020204" pitchFamily="34" charset="0"/>
+              <a:buNone/>
+              <a:defRPr sz="1600" kern="1200">
+                <a:solidFill>
+                  <a:schemeClr val="tx1"/>
+                </a:solidFill>
+                <a:latin typeface="+mn-lt"/>
+                <a:ea typeface="+mn-ea"/>
+                <a:cs typeface="+mn-cs"/>
+              </a:defRPr>
+            </a:lvl6pPr>
+            <a:lvl7pPr marL="2743200" indent="0" algn="ctr" defTabSz="914400" rtl="0" eaLnBrk="1" latinLnBrk="0" hangingPunct="1">
+              <a:lnSpc>
+                <a:spcPct val="90000"/>
+              </a:lnSpc>
+              <a:spcBef>
+                <a:spcPts val="500"/>
+              </a:spcBef>
+              <a:buFont typeface="Arial" panose="020B0604020202020204" pitchFamily="34" charset="0"/>
+              <a:buNone/>
+              <a:defRPr sz="1600" kern="1200">
+                <a:solidFill>
+                  <a:schemeClr val="tx1"/>
+                </a:solidFill>
+                <a:latin typeface="+mn-lt"/>
+                <a:ea typeface="+mn-ea"/>
+                <a:cs typeface="+mn-cs"/>
+              </a:defRPr>
+            </a:lvl7pPr>
+            <a:lvl8pPr marL="3200400" indent="0" algn="ctr" defTabSz="914400" rtl="0" eaLnBrk="1" latinLnBrk="0" hangingPunct="1">
+              <a:lnSpc>
+                <a:spcPct val="90000"/>
+              </a:lnSpc>
+              <a:spcBef>
+                <a:spcPts val="500"/>
+              </a:spcBef>
+              <a:buFont typeface="Arial" panose="020B0604020202020204" pitchFamily="34" charset="0"/>
+              <a:buNone/>
+              <a:defRPr sz="1600" kern="1200">
+                <a:solidFill>
+                  <a:schemeClr val="tx1"/>
+                </a:solidFill>
+                <a:latin typeface="+mn-lt"/>
+                <a:ea typeface="+mn-ea"/>
+                <a:cs typeface="+mn-cs"/>
+              </a:defRPr>
+            </a:lvl8pPr>
+            <a:lvl9pPr marL="3657600" indent="0" algn="ctr" defTabSz="914400" rtl="0" eaLnBrk="1" latinLnBrk="0" hangingPunct="1">
+              <a:lnSpc>
+                <a:spcPct val="90000"/>
+              </a:lnSpc>
+              <a:spcBef>
+                <a:spcPts val="500"/>
+              </a:spcBef>
+              <a:buFont typeface="Arial" panose="020B0604020202020204" pitchFamily="34" charset="0"/>
+              <a:buNone/>
+              <a:defRPr sz="1600" kern="1200">
+                <a:solidFill>
+                  <a:schemeClr val="tx1"/>
+                </a:solidFill>
+                <a:latin typeface="+mn-lt"/>
+                <a:ea typeface="+mn-ea"/>
+                <a:cs typeface="+mn-cs"/>
+              </a:defRPr>
+            </a:lvl9pPr>
+          </a:lstStyle>
+          <a:p>
+            <a:pPr algn="r"/>
+            <a:r>
+              <a:rPr lang="de-DE" sz="2000" dirty="0"/>
+              <a:t>Davare</a:t>
+            </a:r>
+          </a:p>
+          <a:p>
+            <a:pPr algn="r"/>
+            <a:r>
+              <a:rPr lang="de-DE" sz="2000" dirty="0"/>
+              <a:t>Hagenhofer</a:t>
+            </a:r>
+            <a:endParaRPr lang="de-AT" sz="2000" dirty="0"/>
+          </a:p>
+        </p:txBody>
+      </p:sp>
+      <p:cxnSp>
+        <p:nvCxnSpPr>
+          <p:cNvPr id="7" name="Gerader Verbinder 6">
+            <a:extLst>
+              <a:ext uri="{FF2B5EF4-FFF2-40B4-BE49-F238E27FC236}">
+                <a16:creationId xmlns:a16="http://schemas.microsoft.com/office/drawing/2014/main" id="{27C26A28-BCE9-6D44-1DA3-450BF4A1F294}"/>
+              </a:ext>
+            </a:extLst>
+          </p:cNvPr>
+          <p:cNvCxnSpPr>
+            <a:cxnSpLocks/>
+          </p:cNvCxnSpPr>
+          <p:nvPr/>
+        </p:nvCxnSpPr>
+        <p:spPr>
+          <a:xfrm>
+            <a:off x="-66675" y="1142200"/>
+            <a:ext cx="12258675" cy="0"/>
+          </a:xfrm>
+          <a:prstGeom prst="line">
+            <a:avLst/>
+          </a:prstGeom>
+        </p:spPr>
+        <p:style>
+          <a:lnRef idx="1">
+            <a:schemeClr val="dk1"/>
+          </a:lnRef>
+          <a:fillRef idx="0">
+            <a:schemeClr val="dk1"/>
+          </a:fillRef>
+          <a:effectRef idx="0">
+            <a:schemeClr val="dk1"/>
+          </a:effectRef>
+          <a:fontRef idx="minor">
+            <a:schemeClr val="tx1"/>
+          </a:fontRef>
+        </p:style>
+      </p:cxnSp>
+      <p:cxnSp>
+        <p:nvCxnSpPr>
+          <p:cNvPr id="12" name="Gerader Verbinder 11">
+            <a:extLst>
+              <a:ext uri="{FF2B5EF4-FFF2-40B4-BE49-F238E27FC236}">
+                <a16:creationId xmlns:a16="http://schemas.microsoft.com/office/drawing/2014/main" id="{34F9FFC2-B7AA-C073-F584-275945B65BC9}"/>
+              </a:ext>
+            </a:extLst>
+          </p:cNvPr>
+          <p:cNvCxnSpPr>
+            <a:cxnSpLocks/>
+          </p:cNvCxnSpPr>
+          <p:nvPr/>
+        </p:nvCxnSpPr>
+        <p:spPr>
+          <a:xfrm>
+            <a:off x="1195805" y="2186353"/>
+            <a:ext cx="9644853" cy="0"/>
+          </a:xfrm>
+          <a:prstGeom prst="line">
+            <a:avLst/>
+          </a:prstGeom>
+        </p:spPr>
+        <p:style>
+          <a:lnRef idx="1">
+            <a:schemeClr val="dk1"/>
+          </a:lnRef>
+          <a:fillRef idx="0">
+            <a:schemeClr val="dk1"/>
+          </a:fillRef>
+          <a:effectRef idx="0">
+            <a:schemeClr val="dk1"/>
+          </a:effectRef>
+          <a:fontRef idx="minor">
+            <a:schemeClr val="tx1"/>
+          </a:fontRef>
+        </p:style>
+      </p:cxnSp>
+      <p:cxnSp>
+        <p:nvCxnSpPr>
+          <p:cNvPr id="16" name="Gerader Verbinder 15">
+            <a:extLst>
+              <a:ext uri="{FF2B5EF4-FFF2-40B4-BE49-F238E27FC236}">
+                <a16:creationId xmlns:a16="http://schemas.microsoft.com/office/drawing/2014/main" id="{5B506282-CA6E-B72C-B968-4C43A21238F8}"/>
+              </a:ext>
+            </a:extLst>
+          </p:cNvPr>
+          <p:cNvCxnSpPr>
+            <a:cxnSpLocks/>
+          </p:cNvCxnSpPr>
+          <p:nvPr/>
+        </p:nvCxnSpPr>
+        <p:spPr>
+          <a:xfrm>
+            <a:off x="-33340" y="6379760"/>
+            <a:ext cx="12258675" cy="0"/>
+          </a:xfrm>
+          <a:prstGeom prst="line">
+            <a:avLst/>
+          </a:prstGeom>
+        </p:spPr>
+        <p:style>
+          <a:lnRef idx="1">
+            <a:schemeClr val="dk1"/>
+          </a:lnRef>
+          <a:fillRef idx="0">
+            <a:schemeClr val="dk1"/>
+          </a:fillRef>
+          <a:effectRef idx="0">
+            <a:schemeClr val="dk1"/>
+          </a:effectRef>
+          <a:fontRef idx="minor">
+            <a:schemeClr val="tx1"/>
+          </a:fontRef>
+        </p:style>
+      </p:cxnSp>
+      <p:sp>
+        <p:nvSpPr>
+          <p:cNvPr id="20" name="Datumsplatzhalter 3">
+            <a:extLst>
+              <a:ext uri="{FF2B5EF4-FFF2-40B4-BE49-F238E27FC236}">
+                <a16:creationId xmlns:a16="http://schemas.microsoft.com/office/drawing/2014/main" id="{9D463D8E-78C8-EDB3-9B23-7344C713772D}"/>
+              </a:ext>
+            </a:extLst>
+          </p:cNvPr>
+          <p:cNvSpPr>
+            <a:spLocks noGrp="1"/>
+          </p:cNvSpPr>
+          <p:nvPr>
+            <p:ph type="dt" sz="half" idx="10"/>
+          </p:nvPr>
+        </p:nvSpPr>
+        <p:spPr>
+          <a:xfrm>
+            <a:off x="838200" y="6567222"/>
+            <a:ext cx="2743200" cy="208546"/>
+          </a:xfrm>
+        </p:spPr>
+        <p:txBody>
+          <a:bodyPr/>
+          <a:lstStyle/>
+          <a:p>
+            <a:r>
+              <a:rPr lang="de-AT" sz="2000" dirty="0"/>
+              <a:t>19.12.2023</a:t>
+            </a:r>
+          </a:p>
+        </p:txBody>
+      </p:sp>
+      <p:sp>
+        <p:nvSpPr>
+          <p:cNvPr id="22" name="Foliennummernplatzhalter 21">
+            <a:extLst>
+              <a:ext uri="{FF2B5EF4-FFF2-40B4-BE49-F238E27FC236}">
+                <a16:creationId xmlns:a16="http://schemas.microsoft.com/office/drawing/2014/main" id="{FB03CDFF-1950-FF63-280D-D7EF1BEED205}"/>
+              </a:ext>
+            </a:extLst>
+          </p:cNvPr>
+          <p:cNvSpPr>
+            <a:spLocks noGrp="1"/>
+          </p:cNvSpPr>
+          <p:nvPr>
+            <p:ph type="sldNum" sz="quarter" idx="12"/>
+          </p:nvPr>
+        </p:nvSpPr>
+        <p:spPr>
+          <a:xfrm>
+            <a:off x="8610600" y="6594368"/>
+            <a:ext cx="2743200" cy="154253"/>
+          </a:xfrm>
+        </p:spPr>
+        <p:txBody>
+          <a:bodyPr/>
+          <a:lstStyle/>
+          <a:p>
+            <a:r>
+              <a:rPr lang="de-AT" sz="2000" dirty="0"/>
+              <a:t>5/5</a:t>
+            </a:r>
           </a:p>
         </p:txBody>
       </p:sp>
@@ -6909,7 +7877,7 @@
         <p:spPr>
           <a:xfrm>
             <a:off x="896812" y="2462206"/>
-            <a:ext cx="10398369" cy="1184427"/>
+            <a:ext cx="10398369" cy="2341025"/>
           </a:xfrm>
           <a:prstGeom prst="rect">
             <a:avLst/>
@@ -6948,7 +7916,30 @@
               <a:rPr lang="de-DE" sz="2500" dirty="0">
                 <a:sym typeface="Wingdings" panose="05000000000000000000" pitchFamily="2" charset="2"/>
               </a:rPr>
-              <a:t> verzögert die Controller</a:t>
+              <a:t> verzögert die Controller bzw. die APIs</a:t>
+            </a:r>
+          </a:p>
+          <a:p>
+            <a:pPr>
+              <a:lnSpc>
+                <a:spcPct val="150000"/>
+              </a:lnSpc>
+            </a:pPr>
+            <a:endParaRPr lang="de-DE" sz="2500" dirty="0">
+              <a:sym typeface="Wingdings" panose="05000000000000000000" pitchFamily="2" charset="2"/>
+            </a:endParaRPr>
+          </a:p>
+          <a:p>
+            <a:pPr>
+              <a:lnSpc>
+                <a:spcPct val="150000"/>
+              </a:lnSpc>
+            </a:pPr>
+            <a:r>
+              <a:rPr lang="de-DE" sz="2500" dirty="0">
+                <a:sym typeface="Wingdings" panose="05000000000000000000" pitchFamily="2" charset="2"/>
+              </a:rPr>
+              <a:t>+ Zugriff voraussichtlich vor Weihnachten noch</a:t>
             </a:r>
           </a:p>
         </p:txBody>

--- a/Praesentation1812.pptx
+++ b/Praesentation1812.pptx
@@ -5626,7 +5626,7 @@
           <p:nvPr>
             <p:extLst>
               <p:ext uri="{D42A27DB-BD31-4B8C-83A1-F6EECF244321}">
-                <p14:modId xmlns:p14="http://schemas.microsoft.com/office/powerpoint/2010/main" val="2353495175"/>
+                <p14:modId xmlns:p14="http://schemas.microsoft.com/office/powerpoint/2010/main" val="3302581330"/>
               </p:ext>
             </p:extLst>
           </p:nvPr>
@@ -5921,7 +5921,7 @@
                             <a:srgbClr val="FF0000"/>
                           </a:highlight>
                         </a:rPr>
-                        <a:t>PV-Controller</a:t>
+                        <a:t>PV und Speicher API</a:t>
                       </a:r>
                       <a:endParaRPr lang="de-AT" dirty="0">
                         <a:highlight>
@@ -5966,13 +5966,30 @@
                     <a:bodyPr/>
                     <a:lstStyle/>
                     <a:p>
+                      <a:pPr marL="0" marR="0" lvl="0" indent="0" algn="l" defTabSz="914400" rtl="0" eaLnBrk="1" fontAlgn="auto" latinLnBrk="0" hangingPunct="1">
+                        <a:lnSpc>
+                          <a:spcPct val="100000"/>
+                        </a:lnSpc>
+                        <a:spcBef>
+                          <a:spcPts val="0"/>
+                        </a:spcBef>
+                        <a:spcAft>
+                          <a:spcPts val="0"/>
+                        </a:spcAft>
+                        <a:buClrTx/>
+                        <a:buSzTx/>
+                        <a:buFontTx/>
+                        <a:buNone/>
+                        <a:tabLst/>
+                        <a:defRPr/>
+                      </a:pPr>
                       <a:r>
                         <a:rPr lang="de-DE" dirty="0">
                           <a:highlight>
                             <a:srgbClr val="FF0000"/>
                           </a:highlight>
                         </a:rPr>
-                        <a:t>PV und Speicher API</a:t>
+                        <a:t>PV Controller</a:t>
                       </a:r>
                       <a:endParaRPr lang="de-AT" dirty="0">
                         <a:highlight>
@@ -7939,7 +7956,7 @@
               <a:rPr lang="de-DE" sz="2500" dirty="0">
                 <a:sym typeface="Wingdings" panose="05000000000000000000" pitchFamily="2" charset="2"/>
               </a:rPr>
-              <a:t>+ Zugriff voraussichtlich vor Weihnachten noch</a:t>
+              <a:t>ABER: Zugriff voraussichtlich vor Weihnachten noch</a:t>
             </a:r>
           </a:p>
         </p:txBody>
